--- a/Slide/Slide_TRIE.pptx
+++ b/Slide/Slide_TRIE.pptx
@@ -4399,7 +4399,7 @@
       </p:sp>
       <p:pic>
         <p:nvPicPr>
-          <p:cNvPr id="4099" name="Picture 3"/>
+          <p:cNvPr id="1027" name="Picture 3"/>
           <p:cNvPicPr>
             <a:picLocks noChangeAspect="1" noChangeArrowheads="1"/>
           </p:cNvPicPr>
@@ -4420,8 +4420,8 @@
         </p:blipFill>
         <p:spPr bwMode="auto">
           <a:xfrm>
-            <a:off x="525736" y="1564432"/>
-            <a:ext cx="7667625" cy="7705725"/>
+            <a:off x="799154" y="1564431"/>
+            <a:ext cx="7915275" cy="7572375"/>
           </a:xfrm>
           <a:prstGeom prst="rect">
             <a:avLst/>
@@ -6481,7 +6481,7 @@
   <a:extraClrSchemeLst/>
   <a:extLst>
     <a:ext uri="{05A4C25C-085E-4340-85A3-A5531E510DB2}">
-      <thm15:themeFamily xmlns:thm15="http://schemas.microsoft.com/office/thememl/2012/main" xmlns="" name="Office Theme" id="{62F939B6-93AF-4DB8-9C6B-D6C7DFDC589F}" vid="{4A3C46E8-61CC-4603-A589-7422A47A8E4A}"/>
+      <thm15:themeFamily xmlns="" xmlns:thm15="http://schemas.microsoft.com/office/thememl/2012/main" name="Office Theme" id="{62F939B6-93AF-4DB8-9C6B-D6C7DFDC589F}" vid="{4A3C46E8-61CC-4603-A589-7422A47A8E4A}"/>
     </a:ext>
   </a:extLst>
 </a:theme>
@@ -6711,7 +6711,7 @@
   <a:extraClrSchemeLst/>
   <a:extLst>
     <a:ext uri="{05A4C25C-085E-4340-85A3-A5531E510DB2}">
-      <thm15:themeFamily xmlns:thm15="http://schemas.microsoft.com/office/thememl/2012/main" xmlns="" name="Office Theme" id="{62F939B6-93AF-4DB8-9C6B-D6C7DFDC589F}" vid="{4A3C46E8-61CC-4603-A589-7422A47A8E4A}"/>
+      <thm15:themeFamily xmlns="" xmlns:thm15="http://schemas.microsoft.com/office/thememl/2012/main" name="Office Theme" id="{62F939B6-93AF-4DB8-9C6B-D6C7DFDC589F}" vid="{4A3C46E8-61CC-4603-A589-7422A47A8E4A}"/>
     </a:ext>
   </a:extLst>
 </a:theme>
